--- a/Documentation/Predstavitev_projekta.pptx
+++ b/Documentation/Predstavitev_projekta.pptx
@@ -8,6 +8,13 @@
     <p:sldId id="256" r:id="rId2"/>
     <p:sldId id="257" r:id="rId3"/>
     <p:sldId id="258" r:id="rId4"/>
+    <p:sldId id="259" r:id="rId5"/>
+    <p:sldId id="260" r:id="rId6"/>
+    <p:sldId id="261" r:id="rId7"/>
+    <p:sldId id="262" r:id="rId8"/>
+    <p:sldId id="263" r:id="rId9"/>
+    <p:sldId id="265" r:id="rId10"/>
+    <p:sldId id="264" r:id="rId11"/>
   </p:sldIdLst>
   <p:sldSz cx="12192000" cy="6858000"/>
   <p:notesSz cx="6858000" cy="9144000"/>
@@ -106,6 +113,11 @@
       </a:defRPr>
     </a:lvl9pPr>
   </p:defaultTextStyle>
+  <p:extLst>
+    <p:ext uri="{EFAFB233-063F-42B5-8137-9DF3F51BA10A}">
+      <p15:sldGuideLst xmlns:p15="http://schemas.microsoft.com/office/powerpoint/2012/main"/>
+    </p:ext>
+  </p:extLst>
 </p:presentation>
 </file>
 
@@ -278,7 +290,7 @@
           <a:p>
             <a:fld id="{B6644FE7-AD48-4B47-82DF-549B8B94C985}" type="datetimeFigureOut">
               <a:rPr lang="en-SI" smtClean="0"/>
-              <a:t>06/06/2022</a:t>
+              <a:t>06/07/2022</a:t>
             </a:fld>
             <a:endParaRPr lang="en-SI"/>
           </a:p>
@@ -608,7 +620,7 @@
           <a:p>
             <a:fld id="{B6644FE7-AD48-4B47-82DF-549B8B94C985}" type="datetimeFigureOut">
               <a:rPr lang="en-SI" smtClean="0"/>
-              <a:t>06/06/2022</a:t>
+              <a:t>06/07/2022</a:t>
             </a:fld>
             <a:endParaRPr lang="en-SI"/>
           </a:p>
@@ -788,7 +800,7 @@
           <a:p>
             <a:fld id="{B6644FE7-AD48-4B47-82DF-549B8B94C985}" type="datetimeFigureOut">
               <a:rPr lang="en-SI" smtClean="0"/>
-              <a:t>06/06/2022</a:t>
+              <a:t>06/07/2022</a:t>
             </a:fld>
             <a:endParaRPr lang="en-SI"/>
           </a:p>
@@ -958,7 +970,7 @@
           <a:p>
             <a:fld id="{B6644FE7-AD48-4B47-82DF-549B8B94C985}" type="datetimeFigureOut">
               <a:rPr lang="en-SI" smtClean="0"/>
-              <a:t>06/06/2022</a:t>
+              <a:t>06/07/2022</a:t>
             </a:fld>
             <a:endParaRPr lang="en-SI"/>
           </a:p>
@@ -1235,7 +1247,7 @@
           <a:p>
             <a:fld id="{B6644FE7-AD48-4B47-82DF-549B8B94C985}" type="datetimeFigureOut">
               <a:rPr lang="en-SI" smtClean="0"/>
-              <a:t>06/06/2022</a:t>
+              <a:t>06/07/2022</a:t>
             </a:fld>
             <a:endParaRPr lang="en-SI"/>
           </a:p>
@@ -1629,7 +1641,7 @@
           <a:p>
             <a:fld id="{B6644FE7-AD48-4B47-82DF-549B8B94C985}" type="datetimeFigureOut">
               <a:rPr lang="en-SI" smtClean="0"/>
-              <a:t>06/06/2022</a:t>
+              <a:t>06/07/2022</a:t>
             </a:fld>
             <a:endParaRPr lang="en-SI"/>
           </a:p>
@@ -2106,7 +2118,7 @@
           <a:p>
             <a:fld id="{B6644FE7-AD48-4B47-82DF-549B8B94C985}" type="datetimeFigureOut">
               <a:rPr lang="en-SI" smtClean="0"/>
-              <a:t>06/06/2022</a:t>
+              <a:t>06/07/2022</a:t>
             </a:fld>
             <a:endParaRPr lang="en-SI"/>
           </a:p>
@@ -2224,7 +2236,7 @@
           <a:p>
             <a:fld id="{B6644FE7-AD48-4B47-82DF-549B8B94C985}" type="datetimeFigureOut">
               <a:rPr lang="en-SI" smtClean="0"/>
-              <a:t>06/06/2022</a:t>
+              <a:t>06/07/2022</a:t>
             </a:fld>
             <a:endParaRPr lang="en-SI"/>
           </a:p>
@@ -2319,7 +2331,7 @@
           <a:p>
             <a:fld id="{B6644FE7-AD48-4B47-82DF-549B8B94C985}" type="datetimeFigureOut">
               <a:rPr lang="en-SI" smtClean="0"/>
-              <a:t>06/06/2022</a:t>
+              <a:t>06/07/2022</a:t>
             </a:fld>
             <a:endParaRPr lang="en-SI"/>
           </a:p>
@@ -2665,7 +2677,7 @@
           <a:p>
             <a:fld id="{B6644FE7-AD48-4B47-82DF-549B8B94C985}" type="datetimeFigureOut">
               <a:rPr lang="en-SI" smtClean="0"/>
-              <a:t>06/06/2022</a:t>
+              <a:t>06/07/2022</a:t>
             </a:fld>
             <a:endParaRPr lang="en-SI"/>
           </a:p>
@@ -3053,7 +3065,7 @@
           <a:p>
             <a:fld id="{B6644FE7-AD48-4B47-82DF-549B8B94C985}" type="datetimeFigureOut">
               <a:rPr lang="en-SI" smtClean="0"/>
-              <a:t>06/06/2022</a:t>
+              <a:t>06/07/2022</a:t>
             </a:fld>
             <a:endParaRPr lang="en-SI"/>
           </a:p>
@@ -3331,7 +3343,7 @@
           <a:p>
             <a:fld id="{B6644FE7-AD48-4B47-82DF-549B8B94C985}" type="datetimeFigureOut">
               <a:rPr lang="en-SI" smtClean="0"/>
-              <a:t>06/06/2022</a:t>
+              <a:t>06/07/2022</a:t>
             </a:fld>
             <a:endParaRPr lang="en-SI"/>
           </a:p>
@@ -3896,12 +3908,34 @@
             <p:ph type="subTitle" idx="1"/>
           </p:nvPr>
         </p:nvSpPr>
-        <p:spPr/>
+        <p:spPr>
+          <a:xfrm>
+            <a:off x="1234912" y="3956279"/>
+            <a:ext cx="9700182" cy="2585923"/>
+          </a:xfrm>
+        </p:spPr>
         <p:txBody>
           <a:bodyPr/>
           <a:lstStyle/>
           <a:p>
-            <a:endParaRPr lang="en-SI"/>
+            <a:endParaRPr lang="sl-SI" dirty="0"/>
+          </a:p>
+          <a:p>
+            <a:r>
+              <a:rPr lang="sl-SI" dirty="0"/>
+              <a:t>Skupina: GSO</a:t>
+            </a:r>
+          </a:p>
+          <a:p>
+            <a:endParaRPr lang="sl-SI" dirty="0"/>
+          </a:p>
+          <a:p>
+            <a:pPr algn="r"/>
+            <a:r>
+              <a:rPr lang="sl-SI" dirty="0"/>
+              <a:t>Člani: Andraž Oset, Jan Gradič, Tadej Stanko</a:t>
+            </a:r>
+            <a:endParaRPr lang="en-SI" dirty="0"/>
           </a:p>
         </p:txBody>
       </p:sp>
@@ -3909,6 +3943,107 @@
     <p:extLst>
       <p:ext uri="{BB962C8B-B14F-4D97-AF65-F5344CB8AC3E}">
         <p14:creationId xmlns:p14="http://schemas.microsoft.com/office/powerpoint/2010/main" val="3489977124"/>
+      </p:ext>
+    </p:extLst>
+  </p:cSld>
+  <p:clrMapOvr>
+    <a:masterClrMapping/>
+  </p:clrMapOvr>
+</p:sld>
+</file>
+
+<file path=ppt/slides/slide10.xml><?xml version="1.0" encoding="utf-8"?>
+<p:sld xmlns:a="http://schemas.openxmlformats.org/drawingml/2006/main" xmlns:r="http://schemas.openxmlformats.org/officeDocument/2006/relationships" xmlns:p="http://schemas.openxmlformats.org/presentationml/2006/main">
+  <p:cSld>
+    <p:spTree>
+      <p:nvGrpSpPr>
+        <p:cNvPr id="1" name=""/>
+        <p:cNvGrpSpPr/>
+        <p:nvPr/>
+      </p:nvGrpSpPr>
+      <p:grpSpPr>
+        <a:xfrm>
+          <a:off x="0" y="0"/>
+          <a:ext cx="0" cy="0"/>
+          <a:chOff x="0" y="0"/>
+          <a:chExt cx="0" cy="0"/>
+        </a:xfrm>
+      </p:grpSpPr>
+      <p:sp>
+        <p:nvSpPr>
+          <p:cNvPr id="2" name="Naslov 1">
+            <a:extLst>
+              <a:ext uri="{FF2B5EF4-FFF2-40B4-BE49-F238E27FC236}">
+                <a16:creationId xmlns:a16="http://schemas.microsoft.com/office/drawing/2014/main" id="{6A2429D9-CA79-C893-6254-226F5BDDDF11}"/>
+              </a:ext>
+            </a:extLst>
+          </p:cNvPr>
+          <p:cNvSpPr>
+            <a:spLocks noGrp="1"/>
+          </p:cNvSpPr>
+          <p:nvPr>
+            <p:ph type="title"/>
+          </p:nvPr>
+        </p:nvSpPr>
+        <p:spPr>
+          <a:xfrm>
+            <a:off x="1371600" y="146116"/>
+            <a:ext cx="9601200" cy="1032235"/>
+          </a:xfrm>
+        </p:spPr>
+        <p:txBody>
+          <a:bodyPr>
+            <a:normAutofit/>
+          </a:bodyPr>
+          <a:lstStyle/>
+          <a:p>
+            <a:pPr algn="ctr"/>
+            <a:r>
+              <a:rPr lang="sl-SI" dirty="0"/>
+              <a:t>SLIKA PROJEKTA NA SISTEMU GITHUB</a:t>
+            </a:r>
+          </a:p>
+        </p:txBody>
+      </p:sp>
+      <p:pic>
+        <p:nvPicPr>
+          <p:cNvPr id="5" name="Označba mesta vsebine 4" descr="Slika, ki vsebuje besede besedilo&#10;&#10;Opis je samodejno ustvarjen">
+            <a:extLst>
+              <a:ext uri="{FF2B5EF4-FFF2-40B4-BE49-F238E27FC236}">
+                <a16:creationId xmlns:a16="http://schemas.microsoft.com/office/drawing/2014/main" id="{F6579C8C-B233-501B-24BE-F7571003B320}"/>
+              </a:ext>
+            </a:extLst>
+          </p:cNvPr>
+          <p:cNvPicPr>
+            <a:picLocks noGrp="1" noChangeAspect="1"/>
+          </p:cNvPicPr>
+          <p:nvPr>
+            <p:ph idx="1"/>
+          </p:nvPr>
+        </p:nvPicPr>
+        <p:blipFill>
+          <a:blip r:embed="rId2">
+            <a:extLst>
+              <a:ext uri="{28A0092B-C50C-407E-A947-70E740481C1C}">
+                <a14:useLocalDpi xmlns:a14="http://schemas.microsoft.com/office/drawing/2010/main" val="0"/>
+              </a:ext>
+            </a:extLst>
+          </a:blip>
+          <a:stretch>
+            <a:fillRect/>
+          </a:stretch>
+        </p:blipFill>
+        <p:spPr>
+          <a:xfrm>
+            <a:off x="1913641" y="1300899"/>
+            <a:ext cx="9059159" cy="5410985"/>
+          </a:xfrm>
+        </p:spPr>
+      </p:pic>
+    </p:spTree>
+    <p:extLst>
+      <p:ext uri="{BB962C8B-B14F-4D97-AF65-F5344CB8AC3E}">
+        <p14:creationId xmlns:p14="http://schemas.microsoft.com/office/powerpoint/2010/main" val="2127848733"/>
       </p:ext>
     </p:extLst>
   </p:cSld>
@@ -3956,7 +4091,12 @@
           <a:bodyPr/>
           <a:lstStyle/>
           <a:p>
-            <a:endParaRPr lang="en-SI"/>
+            <a:pPr algn="ctr"/>
+            <a:r>
+              <a:rPr lang="sl-SI" dirty="0"/>
+              <a:t>NAŠ PROJEKT</a:t>
+            </a:r>
+            <a:endParaRPr lang="en-SI" dirty="0"/>
           </a:p>
         </p:txBody>
       </p:sp>
@@ -3981,7 +4121,55 @@
           <a:bodyPr/>
           <a:lstStyle/>
           <a:p>
-            <a:endParaRPr lang="en-SI"/>
+            <a:r>
+              <a:rPr lang="sl-SI" dirty="0"/>
+              <a:t>Aplikacija za zajemanje podatkov vožnje</a:t>
+            </a:r>
+          </a:p>
+          <a:p>
+            <a:r>
+              <a:rPr lang="sl-SI" dirty="0"/>
+              <a:t>Android aplikacija za zajemanje podatkov o vožnji</a:t>
+            </a:r>
+          </a:p>
+          <a:p>
+            <a:r>
+              <a:rPr lang="sl-SI" dirty="0" err="1"/>
+              <a:t>Scrapper</a:t>
+            </a:r>
+            <a:r>
+              <a:rPr lang="sl-SI" dirty="0"/>
+              <a:t> za zajemanje podatkov o stanju cest</a:t>
+            </a:r>
+          </a:p>
+          <a:p>
+            <a:r>
+              <a:rPr lang="sl-SI" dirty="0"/>
+              <a:t>Prijava v aplikacijo preko sekundarne </a:t>
+            </a:r>
+            <a:r>
+              <a:rPr lang="sl-SI" dirty="0" err="1"/>
+              <a:t>avtentifikacije</a:t>
+            </a:r>
+            <a:endParaRPr lang="sl-SI" dirty="0"/>
+          </a:p>
+          <a:p>
+            <a:r>
+              <a:rPr lang="sl-SI" dirty="0"/>
+              <a:t>Sistem </a:t>
+            </a:r>
+            <a:r>
+              <a:rPr lang="sl-SI" dirty="0" err="1"/>
+              <a:t>Docker</a:t>
+            </a:r>
+            <a:endParaRPr lang="sl-SI" dirty="0"/>
+          </a:p>
+          <a:p>
+            <a:r>
+              <a:rPr lang="sl-SI" dirty="0"/>
+              <a:t>Prikaz podatkov na spletni aplikaciji</a:t>
+            </a:r>
+            <a:endParaRPr lang="en-SI" dirty="0"/>
           </a:p>
         </p:txBody>
       </p:sp>
@@ -4036,7 +4224,19 @@
           <a:bodyPr/>
           <a:lstStyle/>
           <a:p>
-            <a:endParaRPr lang="en-SI"/>
+            <a:pPr algn="ctr"/>
+            <a:r>
+              <a:rPr lang="sl-SI" dirty="0"/>
+              <a:t>Spletna aplikacija</a:t>
+            </a:r>
+            <a:br>
+              <a:rPr lang="sl-SI" dirty="0"/>
+            </a:br>
+            <a:r>
+              <a:rPr lang="sl-SI" dirty="0"/>
+              <a:t>Načrt</a:t>
+            </a:r>
+            <a:endParaRPr lang="en-SI" dirty="0"/>
           </a:p>
         </p:txBody>
       </p:sp>
@@ -4056,12 +4256,68 @@
             <p:ph idx="1"/>
           </p:nvPr>
         </p:nvSpPr>
-        <p:spPr/>
+        <p:spPr>
+          <a:xfrm>
+            <a:off x="1371600" y="3073138"/>
+            <a:ext cx="9601200" cy="2794261"/>
+          </a:xfrm>
+        </p:spPr>
         <p:txBody>
           <a:bodyPr/>
           <a:lstStyle/>
           <a:p>
-            <a:endParaRPr lang="en-SI"/>
+            <a:r>
+              <a:rPr lang="sl-SI" dirty="0"/>
+              <a:t>Zaledje sistema (</a:t>
+            </a:r>
+            <a:r>
+              <a:rPr lang="sl-SI" dirty="0" err="1"/>
+              <a:t>backend</a:t>
+            </a:r>
+            <a:r>
+              <a:rPr lang="sl-SI" dirty="0"/>
+              <a:t>) Express</a:t>
+            </a:r>
+          </a:p>
+          <a:p>
+            <a:r>
+              <a:rPr lang="sl-SI" dirty="0"/>
+              <a:t>Čelni del sistema (</a:t>
+            </a:r>
+            <a:r>
+              <a:rPr lang="sl-SI" dirty="0" err="1"/>
+              <a:t>frontend</a:t>
+            </a:r>
+            <a:r>
+              <a:rPr lang="sl-SI" dirty="0"/>
+              <a:t>) </a:t>
+            </a:r>
+            <a:r>
+              <a:rPr lang="sl-SI" dirty="0" err="1"/>
+              <a:t>React</a:t>
+            </a:r>
+            <a:endParaRPr lang="sl-SI" dirty="0"/>
+          </a:p>
+          <a:p>
+            <a:r>
+              <a:rPr lang="sl-SI" dirty="0"/>
+              <a:t>Pajek (</a:t>
+            </a:r>
+            <a:r>
+              <a:rPr lang="sl-SI" dirty="0" err="1"/>
+              <a:t>scrapper</a:t>
+            </a:r>
+            <a:r>
+              <a:rPr lang="sl-SI" dirty="0"/>
+              <a:t>) za zajemanje podatkov stanja cest</a:t>
+            </a:r>
+          </a:p>
+          <a:p>
+            <a:r>
+              <a:rPr lang="sl-SI" dirty="0"/>
+              <a:t>Vključena mapa (zemljevid) za prikaz vožnje</a:t>
+            </a:r>
+            <a:endParaRPr lang="en-SI" dirty="0"/>
           </a:p>
         </p:txBody>
       </p:sp>
@@ -4069,6 +4325,657 @@
     <p:extLst>
       <p:ext uri="{BB962C8B-B14F-4D97-AF65-F5344CB8AC3E}">
         <p14:creationId xmlns:p14="http://schemas.microsoft.com/office/powerpoint/2010/main" val="1696018470"/>
+      </p:ext>
+    </p:extLst>
+  </p:cSld>
+  <p:clrMapOvr>
+    <a:masterClrMapping/>
+  </p:clrMapOvr>
+</p:sld>
+</file>
+
+<file path=ppt/slides/slide4.xml><?xml version="1.0" encoding="utf-8"?>
+<p:sld xmlns:a="http://schemas.openxmlformats.org/drawingml/2006/main" xmlns:r="http://schemas.openxmlformats.org/officeDocument/2006/relationships" xmlns:p="http://schemas.openxmlformats.org/presentationml/2006/main">
+  <p:cSld>
+    <p:spTree>
+      <p:nvGrpSpPr>
+        <p:cNvPr id="1" name=""/>
+        <p:cNvGrpSpPr/>
+        <p:nvPr/>
+      </p:nvGrpSpPr>
+      <p:grpSpPr>
+        <a:xfrm>
+          <a:off x="0" y="0"/>
+          <a:ext cx="0" cy="0"/>
+          <a:chOff x="0" y="0"/>
+          <a:chExt cx="0" cy="0"/>
+        </a:xfrm>
+      </p:grpSpPr>
+      <p:sp>
+        <p:nvSpPr>
+          <p:cNvPr id="2" name="Naslov 1">
+            <a:extLst>
+              <a:ext uri="{FF2B5EF4-FFF2-40B4-BE49-F238E27FC236}">
+                <a16:creationId xmlns:a16="http://schemas.microsoft.com/office/drawing/2014/main" id="{D0FAB6BA-D68B-EC24-DFF5-D3E203E1FAA9}"/>
+              </a:ext>
+            </a:extLst>
+          </p:cNvPr>
+          <p:cNvSpPr>
+            <a:spLocks noGrp="1"/>
+          </p:cNvSpPr>
+          <p:nvPr>
+            <p:ph type="title"/>
+          </p:nvPr>
+        </p:nvSpPr>
+        <p:spPr/>
+        <p:txBody>
+          <a:bodyPr/>
+          <a:lstStyle/>
+          <a:p>
+            <a:pPr algn="ctr"/>
+            <a:r>
+              <a:rPr lang="sl-SI" dirty="0"/>
+              <a:t>REGISRACIJA</a:t>
+            </a:r>
+          </a:p>
+        </p:txBody>
+      </p:sp>
+      <p:pic>
+        <p:nvPicPr>
+          <p:cNvPr id="5" name="Označba mesta vsebine 4">
+            <a:extLst>
+              <a:ext uri="{FF2B5EF4-FFF2-40B4-BE49-F238E27FC236}">
+                <a16:creationId xmlns:a16="http://schemas.microsoft.com/office/drawing/2014/main" id="{61EB3783-3226-F1B6-7ADF-93B52A356358}"/>
+              </a:ext>
+            </a:extLst>
+          </p:cNvPr>
+          <p:cNvPicPr>
+            <a:picLocks noGrp="1" noChangeAspect="1"/>
+          </p:cNvPicPr>
+          <p:nvPr>
+            <p:ph idx="1"/>
+          </p:nvPr>
+        </p:nvPicPr>
+        <p:blipFill>
+          <a:blip r:embed="rId2">
+            <a:extLst>
+              <a:ext uri="{28A0092B-C50C-407E-A947-70E740481C1C}">
+                <a14:useLocalDpi xmlns:a14="http://schemas.microsoft.com/office/drawing/2010/main" val="0"/>
+              </a:ext>
+            </a:extLst>
+          </a:blip>
+          <a:stretch>
+            <a:fillRect/>
+          </a:stretch>
+        </p:blipFill>
+        <p:spPr>
+          <a:xfrm>
+            <a:off x="1659118" y="1989056"/>
+            <a:ext cx="9719035" cy="4183144"/>
+          </a:xfrm>
+        </p:spPr>
+      </p:pic>
+    </p:spTree>
+    <p:extLst>
+      <p:ext uri="{BB962C8B-B14F-4D97-AF65-F5344CB8AC3E}">
+        <p14:creationId xmlns:p14="http://schemas.microsoft.com/office/powerpoint/2010/main" val="4014936197"/>
+      </p:ext>
+    </p:extLst>
+  </p:cSld>
+  <p:clrMapOvr>
+    <a:masterClrMapping/>
+  </p:clrMapOvr>
+</p:sld>
+</file>
+
+<file path=ppt/slides/slide5.xml><?xml version="1.0" encoding="utf-8"?>
+<p:sld xmlns:a="http://schemas.openxmlformats.org/drawingml/2006/main" xmlns:r="http://schemas.openxmlformats.org/officeDocument/2006/relationships" xmlns:p="http://schemas.openxmlformats.org/presentationml/2006/main">
+  <p:cSld>
+    <p:spTree>
+      <p:nvGrpSpPr>
+        <p:cNvPr id="1" name=""/>
+        <p:cNvGrpSpPr/>
+        <p:nvPr/>
+      </p:nvGrpSpPr>
+      <p:grpSpPr>
+        <a:xfrm>
+          <a:off x="0" y="0"/>
+          <a:ext cx="0" cy="0"/>
+          <a:chOff x="0" y="0"/>
+          <a:chExt cx="0" cy="0"/>
+        </a:xfrm>
+      </p:grpSpPr>
+      <p:sp>
+        <p:nvSpPr>
+          <p:cNvPr id="2" name="Naslov 1">
+            <a:extLst>
+              <a:ext uri="{FF2B5EF4-FFF2-40B4-BE49-F238E27FC236}">
+                <a16:creationId xmlns:a16="http://schemas.microsoft.com/office/drawing/2014/main" id="{01F93013-011C-09B0-EE0C-7150C27DB343}"/>
+              </a:ext>
+            </a:extLst>
+          </p:cNvPr>
+          <p:cNvSpPr>
+            <a:spLocks noGrp="1"/>
+          </p:cNvSpPr>
+          <p:nvPr>
+            <p:ph type="title"/>
+          </p:nvPr>
+        </p:nvSpPr>
+        <p:spPr/>
+        <p:txBody>
+          <a:bodyPr/>
+          <a:lstStyle/>
+          <a:p>
+            <a:pPr algn="ctr"/>
+            <a:r>
+              <a:rPr lang="sl-SI" dirty="0"/>
+              <a:t>PRIJAVA</a:t>
+            </a:r>
+          </a:p>
+        </p:txBody>
+      </p:sp>
+      <p:pic>
+        <p:nvPicPr>
+          <p:cNvPr id="5" name="Označba mesta vsebine 4">
+            <a:extLst>
+              <a:ext uri="{FF2B5EF4-FFF2-40B4-BE49-F238E27FC236}">
+                <a16:creationId xmlns:a16="http://schemas.microsoft.com/office/drawing/2014/main" id="{7CB282FB-F32E-E8F3-B585-88B20B5B31F2}"/>
+              </a:ext>
+            </a:extLst>
+          </p:cNvPr>
+          <p:cNvPicPr>
+            <a:picLocks noGrp="1" noChangeAspect="1"/>
+          </p:cNvPicPr>
+          <p:nvPr>
+            <p:ph idx="1"/>
+          </p:nvPr>
+        </p:nvPicPr>
+        <p:blipFill>
+          <a:blip r:embed="rId2">
+            <a:extLst>
+              <a:ext uri="{28A0092B-C50C-407E-A947-70E740481C1C}">
+                <a14:useLocalDpi xmlns:a14="http://schemas.microsoft.com/office/drawing/2010/main" val="0"/>
+              </a:ext>
+            </a:extLst>
+          </a:blip>
+          <a:stretch>
+            <a:fillRect/>
+          </a:stretch>
+        </p:blipFill>
+        <p:spPr>
+          <a:xfrm>
+            <a:off x="1611984" y="2285999"/>
+            <a:ext cx="9601200" cy="3775435"/>
+          </a:xfrm>
+        </p:spPr>
+      </p:pic>
+    </p:spTree>
+    <p:extLst>
+      <p:ext uri="{BB962C8B-B14F-4D97-AF65-F5344CB8AC3E}">
+        <p14:creationId xmlns:p14="http://schemas.microsoft.com/office/powerpoint/2010/main" val="189481432"/>
+      </p:ext>
+    </p:extLst>
+  </p:cSld>
+  <p:clrMapOvr>
+    <a:masterClrMapping/>
+  </p:clrMapOvr>
+</p:sld>
+</file>
+
+<file path=ppt/slides/slide6.xml><?xml version="1.0" encoding="utf-8"?>
+<p:sld xmlns:a="http://schemas.openxmlformats.org/drawingml/2006/main" xmlns:r="http://schemas.openxmlformats.org/officeDocument/2006/relationships" xmlns:p="http://schemas.openxmlformats.org/presentationml/2006/main">
+  <p:cSld>
+    <p:spTree>
+      <p:nvGrpSpPr>
+        <p:cNvPr id="1" name=""/>
+        <p:cNvGrpSpPr/>
+        <p:nvPr/>
+      </p:nvGrpSpPr>
+      <p:grpSpPr>
+        <a:xfrm>
+          <a:off x="0" y="0"/>
+          <a:ext cx="0" cy="0"/>
+          <a:chOff x="0" y="0"/>
+          <a:chExt cx="0" cy="0"/>
+        </a:xfrm>
+      </p:grpSpPr>
+      <p:sp>
+        <p:nvSpPr>
+          <p:cNvPr id="2" name="Naslov 1">
+            <a:extLst>
+              <a:ext uri="{FF2B5EF4-FFF2-40B4-BE49-F238E27FC236}">
+                <a16:creationId xmlns:a16="http://schemas.microsoft.com/office/drawing/2014/main" id="{5593DC18-F037-4CE4-7BAA-DF3472A9D3D7}"/>
+              </a:ext>
+            </a:extLst>
+          </p:cNvPr>
+          <p:cNvSpPr>
+            <a:spLocks noGrp="1"/>
+          </p:cNvSpPr>
+          <p:nvPr>
+            <p:ph type="title"/>
+          </p:nvPr>
+        </p:nvSpPr>
+        <p:spPr>
+          <a:xfrm>
+            <a:off x="1371600" y="282804"/>
+            <a:ext cx="9601200" cy="1319753"/>
+          </a:xfrm>
+        </p:spPr>
+        <p:txBody>
+          <a:bodyPr>
+            <a:normAutofit/>
+          </a:bodyPr>
+          <a:lstStyle/>
+          <a:p>
+            <a:pPr algn="ctr"/>
+            <a:r>
+              <a:rPr lang="sl-SI" dirty="0"/>
+              <a:t>Domača stran</a:t>
+            </a:r>
+            <a:br>
+              <a:rPr lang="sl-SI" dirty="0"/>
+            </a:br>
+            <a:r>
+              <a:rPr lang="sl-SI" dirty="0"/>
+              <a:t>Prikaz stanja cest</a:t>
+            </a:r>
+          </a:p>
+        </p:txBody>
+      </p:sp>
+      <p:pic>
+        <p:nvPicPr>
+          <p:cNvPr id="5" name="Označba mesta vsebine 4" descr="Slika, ki vsebuje besede besedilo, prenosnik, posnetek zaslona, nekaj&#10;&#10;Opis je samodejno ustvarjen">
+            <a:extLst>
+              <a:ext uri="{FF2B5EF4-FFF2-40B4-BE49-F238E27FC236}">
+                <a16:creationId xmlns:a16="http://schemas.microsoft.com/office/drawing/2014/main" id="{3023F2F2-C22B-45EA-2723-691A87DB5DA6}"/>
+              </a:ext>
+            </a:extLst>
+          </p:cNvPr>
+          <p:cNvPicPr>
+            <a:picLocks noGrp="1" noChangeAspect="1"/>
+          </p:cNvPicPr>
+          <p:nvPr>
+            <p:ph idx="1"/>
+          </p:nvPr>
+        </p:nvPicPr>
+        <p:blipFill rotWithShape="1">
+          <a:blip r:embed="rId2">
+            <a:extLst>
+              <a:ext uri="{28A0092B-C50C-407E-A947-70E740481C1C}">
+                <a14:useLocalDpi xmlns:a14="http://schemas.microsoft.com/office/drawing/2010/main" val="0"/>
+              </a:ext>
+            </a:extLst>
+          </a:blip>
+          <a:srcRect b="77978"/>
+          <a:stretch/>
+        </p:blipFill>
+        <p:spPr>
+          <a:xfrm>
+            <a:off x="3502057" y="1904215"/>
+            <a:ext cx="4991493" cy="4835950"/>
+          </a:xfrm>
+        </p:spPr>
+      </p:pic>
+    </p:spTree>
+    <p:extLst>
+      <p:ext uri="{BB962C8B-B14F-4D97-AF65-F5344CB8AC3E}">
+        <p14:creationId xmlns:p14="http://schemas.microsoft.com/office/powerpoint/2010/main" val="1941800335"/>
+      </p:ext>
+    </p:extLst>
+  </p:cSld>
+  <p:clrMapOvr>
+    <a:masterClrMapping/>
+  </p:clrMapOvr>
+</p:sld>
+</file>
+
+<file path=ppt/slides/slide7.xml><?xml version="1.0" encoding="utf-8"?>
+<p:sld xmlns:a="http://schemas.openxmlformats.org/drawingml/2006/main" xmlns:r="http://schemas.openxmlformats.org/officeDocument/2006/relationships" xmlns:p="http://schemas.openxmlformats.org/presentationml/2006/main">
+  <p:cSld>
+    <p:spTree>
+      <p:nvGrpSpPr>
+        <p:cNvPr id="1" name=""/>
+        <p:cNvGrpSpPr/>
+        <p:nvPr/>
+      </p:nvGrpSpPr>
+      <p:grpSpPr>
+        <a:xfrm>
+          <a:off x="0" y="0"/>
+          <a:ext cx="0" cy="0"/>
+          <a:chOff x="0" y="0"/>
+          <a:chExt cx="0" cy="0"/>
+        </a:xfrm>
+      </p:grpSpPr>
+      <p:sp>
+        <p:nvSpPr>
+          <p:cNvPr id="2" name="Naslov 1">
+            <a:extLst>
+              <a:ext uri="{FF2B5EF4-FFF2-40B4-BE49-F238E27FC236}">
+                <a16:creationId xmlns:a16="http://schemas.microsoft.com/office/drawing/2014/main" id="{2B6B6726-0E16-FBB0-2291-88C42A971773}"/>
+              </a:ext>
+            </a:extLst>
+          </p:cNvPr>
+          <p:cNvSpPr>
+            <a:spLocks noGrp="1"/>
+          </p:cNvSpPr>
+          <p:nvPr>
+            <p:ph type="title"/>
+          </p:nvPr>
+        </p:nvSpPr>
+        <p:spPr>
+          <a:xfrm>
+            <a:off x="1371600" y="179110"/>
+            <a:ext cx="9601200" cy="1074656"/>
+          </a:xfrm>
+        </p:spPr>
+        <p:txBody>
+          <a:bodyPr/>
+          <a:lstStyle/>
+          <a:p>
+            <a:pPr algn="ctr"/>
+            <a:r>
+              <a:rPr lang="sl-SI" dirty="0"/>
+              <a:t>Prikaz vožnje</a:t>
+            </a:r>
+          </a:p>
+        </p:txBody>
+      </p:sp>
+      <p:pic>
+        <p:nvPicPr>
+          <p:cNvPr id="5" name="Označba mesta vsebine 4" descr="Slika, ki vsebuje besede preslikava&#10;&#10;Opis je samodejno ustvarjen">
+            <a:extLst>
+              <a:ext uri="{FF2B5EF4-FFF2-40B4-BE49-F238E27FC236}">
+                <a16:creationId xmlns:a16="http://schemas.microsoft.com/office/drawing/2014/main" id="{CE52354D-7088-B5D0-1659-666DF7528F62}"/>
+              </a:ext>
+            </a:extLst>
+          </p:cNvPr>
+          <p:cNvPicPr>
+            <a:picLocks noGrp="1" noChangeAspect="1"/>
+          </p:cNvPicPr>
+          <p:nvPr>
+            <p:ph idx="1"/>
+          </p:nvPr>
+        </p:nvPicPr>
+        <p:blipFill>
+          <a:blip r:embed="rId2">
+            <a:extLst>
+              <a:ext uri="{28A0092B-C50C-407E-A947-70E740481C1C}">
+                <a14:useLocalDpi xmlns:a14="http://schemas.microsoft.com/office/drawing/2010/main" val="0"/>
+              </a:ext>
+            </a:extLst>
+          </a:blip>
+          <a:stretch>
+            <a:fillRect/>
+          </a:stretch>
+        </p:blipFill>
+        <p:spPr>
+          <a:xfrm>
+            <a:off x="2469824" y="1253766"/>
+            <a:ext cx="7927942" cy="5425124"/>
+          </a:xfrm>
+        </p:spPr>
+      </p:pic>
+    </p:spTree>
+    <p:extLst>
+      <p:ext uri="{BB962C8B-B14F-4D97-AF65-F5344CB8AC3E}">
+        <p14:creationId xmlns:p14="http://schemas.microsoft.com/office/powerpoint/2010/main" val="1973002373"/>
+      </p:ext>
+    </p:extLst>
+  </p:cSld>
+  <p:clrMapOvr>
+    <a:masterClrMapping/>
+  </p:clrMapOvr>
+</p:sld>
+</file>
+
+<file path=ppt/slides/slide8.xml><?xml version="1.0" encoding="utf-8"?>
+<p:sld xmlns:a="http://schemas.openxmlformats.org/drawingml/2006/main" xmlns:r="http://schemas.openxmlformats.org/officeDocument/2006/relationships" xmlns:p="http://schemas.openxmlformats.org/presentationml/2006/main">
+  <p:cSld>
+    <p:spTree>
+      <p:nvGrpSpPr>
+        <p:cNvPr id="1" name=""/>
+        <p:cNvGrpSpPr/>
+        <p:nvPr/>
+      </p:nvGrpSpPr>
+      <p:grpSpPr>
+        <a:xfrm>
+          <a:off x="0" y="0"/>
+          <a:ext cx="0" cy="0"/>
+          <a:chOff x="0" y="0"/>
+          <a:chExt cx="0" cy="0"/>
+        </a:xfrm>
+      </p:grpSpPr>
+      <p:sp>
+        <p:nvSpPr>
+          <p:cNvPr id="2" name="Naslov 1">
+            <a:extLst>
+              <a:ext uri="{FF2B5EF4-FFF2-40B4-BE49-F238E27FC236}">
+                <a16:creationId xmlns:a16="http://schemas.microsoft.com/office/drawing/2014/main" id="{B19ADFCF-A343-09C2-F34F-FACF8871DCDA}"/>
+              </a:ext>
+            </a:extLst>
+          </p:cNvPr>
+          <p:cNvSpPr>
+            <a:spLocks noGrp="1"/>
+          </p:cNvSpPr>
+          <p:nvPr>
+            <p:ph type="title"/>
+          </p:nvPr>
+        </p:nvSpPr>
+        <p:spPr/>
+        <p:txBody>
+          <a:bodyPr/>
+          <a:lstStyle/>
+          <a:p>
+            <a:pPr algn="ctr"/>
+            <a:r>
+              <a:rPr lang="sl-SI" dirty="0"/>
+              <a:t>PREGLED PROJEKTA</a:t>
+            </a:r>
+            <a:br>
+              <a:rPr lang="sl-SI" dirty="0"/>
+            </a:br>
+            <a:r>
+              <a:rPr lang="sl-SI" dirty="0"/>
+              <a:t>Spletna aplikacija</a:t>
+            </a:r>
+          </a:p>
+        </p:txBody>
+      </p:sp>
+      <p:sp>
+        <p:nvSpPr>
+          <p:cNvPr id="3" name="Označba mesta vsebine 2">
+            <a:extLst>
+              <a:ext uri="{FF2B5EF4-FFF2-40B4-BE49-F238E27FC236}">
+                <a16:creationId xmlns:a16="http://schemas.microsoft.com/office/drawing/2014/main" id="{64AA492A-3106-2A28-C937-334353E8BC91}"/>
+              </a:ext>
+            </a:extLst>
+          </p:cNvPr>
+          <p:cNvSpPr>
+            <a:spLocks noGrp="1"/>
+          </p:cNvSpPr>
+          <p:nvPr>
+            <p:ph idx="1"/>
+          </p:nvPr>
+        </p:nvSpPr>
+        <p:spPr>
+          <a:xfrm>
+            <a:off x="1371600" y="2384980"/>
+            <a:ext cx="9601200" cy="3482419"/>
+          </a:xfrm>
+        </p:spPr>
+        <p:txBody>
+          <a:bodyPr/>
+          <a:lstStyle/>
+          <a:p>
+            <a:r>
+              <a:rPr lang="sl-SI" dirty="0"/>
+              <a:t>Registracija in prijava v sistem</a:t>
+            </a:r>
+          </a:p>
+          <a:p>
+            <a:r>
+              <a:rPr lang="sl-SI" dirty="0"/>
+              <a:t>Prikaz trenutnega stanja cest (</a:t>
+            </a:r>
+            <a:r>
+              <a:rPr lang="sl-SI" dirty="0" err="1"/>
+              <a:t>Scrapper</a:t>
+            </a:r>
+            <a:r>
+              <a:rPr lang="sl-SI" dirty="0"/>
+              <a:t>)</a:t>
+            </a:r>
+          </a:p>
+          <a:p>
+            <a:r>
+              <a:rPr lang="sl-SI" dirty="0"/>
+              <a:t>Prikaz vseh voženj in podroben prikaz ene vožnje (izpis podatkov in prikaz na zemljevidu)</a:t>
+            </a:r>
+          </a:p>
+          <a:p>
+            <a:r>
+              <a:rPr lang="sl-SI" dirty="0"/>
+              <a:t>Izgled aplikacije</a:t>
+            </a:r>
+          </a:p>
+          <a:p>
+            <a:r>
+              <a:rPr lang="sl-SI" dirty="0"/>
+              <a:t>Druge funkcionalnosti</a:t>
+            </a:r>
+          </a:p>
+          <a:p>
+            <a:endParaRPr lang="sl-SI" dirty="0"/>
+          </a:p>
+        </p:txBody>
+      </p:sp>
+    </p:spTree>
+    <p:extLst>
+      <p:ext uri="{BB962C8B-B14F-4D97-AF65-F5344CB8AC3E}">
+        <p14:creationId xmlns:p14="http://schemas.microsoft.com/office/powerpoint/2010/main" val="2383854702"/>
+      </p:ext>
+    </p:extLst>
+  </p:cSld>
+  <p:clrMapOvr>
+    <a:masterClrMapping/>
+  </p:clrMapOvr>
+</p:sld>
+</file>
+
+<file path=ppt/slides/slide9.xml><?xml version="1.0" encoding="utf-8"?>
+<p:sld xmlns:a="http://schemas.openxmlformats.org/drawingml/2006/main" xmlns:r="http://schemas.openxmlformats.org/officeDocument/2006/relationships" xmlns:p="http://schemas.openxmlformats.org/presentationml/2006/main">
+  <p:cSld>
+    <p:spTree>
+      <p:nvGrpSpPr>
+        <p:cNvPr id="1" name=""/>
+        <p:cNvGrpSpPr/>
+        <p:nvPr/>
+      </p:nvGrpSpPr>
+      <p:grpSpPr>
+        <a:xfrm>
+          <a:off x="0" y="0"/>
+          <a:ext cx="0" cy="0"/>
+          <a:chOff x="0" y="0"/>
+          <a:chExt cx="0" cy="0"/>
+        </a:xfrm>
+      </p:grpSpPr>
+      <p:sp>
+        <p:nvSpPr>
+          <p:cNvPr id="2" name="Naslov 1">
+            <a:extLst>
+              <a:ext uri="{FF2B5EF4-FFF2-40B4-BE49-F238E27FC236}">
+                <a16:creationId xmlns:a16="http://schemas.microsoft.com/office/drawing/2014/main" id="{144D85F1-0A09-FE9C-0A03-2AC85C1F1C14}"/>
+              </a:ext>
+            </a:extLst>
+          </p:cNvPr>
+          <p:cNvSpPr>
+            <a:spLocks noGrp="1"/>
+          </p:cNvSpPr>
+          <p:nvPr>
+            <p:ph type="title"/>
+          </p:nvPr>
+        </p:nvSpPr>
+        <p:spPr/>
+        <p:txBody>
+          <a:bodyPr/>
+          <a:lstStyle/>
+          <a:p>
+            <a:pPr algn="ctr"/>
+            <a:r>
+              <a:rPr lang="sl-SI" dirty="0"/>
+              <a:t>OPIS PROJEKTA</a:t>
+            </a:r>
+            <a:br>
+              <a:rPr lang="sl-SI" dirty="0"/>
+            </a:br>
+            <a:r>
+              <a:rPr lang="sl-SI" dirty="0"/>
+              <a:t>Spletna aplikacija</a:t>
+            </a:r>
+          </a:p>
+        </p:txBody>
+      </p:sp>
+      <p:sp>
+        <p:nvSpPr>
+          <p:cNvPr id="3" name="Označba mesta vsebine 2">
+            <a:extLst>
+              <a:ext uri="{FF2B5EF4-FFF2-40B4-BE49-F238E27FC236}">
+                <a16:creationId xmlns:a16="http://schemas.microsoft.com/office/drawing/2014/main" id="{12823DDB-01DD-3A34-E674-F0D974507CDF}"/>
+              </a:ext>
+            </a:extLst>
+          </p:cNvPr>
+          <p:cNvSpPr>
+            <a:spLocks noGrp="1"/>
+          </p:cNvSpPr>
+          <p:nvPr>
+            <p:ph idx="1"/>
+          </p:nvPr>
+        </p:nvSpPr>
+        <p:spPr>
+          <a:xfrm>
+            <a:off x="1371600" y="2884602"/>
+            <a:ext cx="9601200" cy="2982798"/>
+          </a:xfrm>
+        </p:spPr>
+        <p:txBody>
+          <a:bodyPr/>
+          <a:lstStyle/>
+          <a:p>
+            <a:r>
+              <a:rPr lang="sl-SI" dirty="0"/>
+              <a:t>Najprej se uporabnik registrira če še nima uporabniškega računa ali pa prijavi. </a:t>
+            </a:r>
+          </a:p>
+          <a:p>
+            <a:r>
+              <a:rPr lang="sl-SI" dirty="0"/>
+              <a:t>Po uspešni prijavi se mu prikaže začetna stran, katera prikazuje trenutno stanje cest</a:t>
+            </a:r>
+          </a:p>
+          <a:p>
+            <a:r>
+              <a:rPr lang="sl-SI" dirty="0"/>
+              <a:t>Nato lahko pregleda svoje vožnje</a:t>
+            </a:r>
+          </a:p>
+          <a:p>
+            <a:r>
+              <a:rPr lang="sl-SI" dirty="0"/>
+              <a:t>Svojo vožnjo lahko podrobno pregleda in tudi vidi izris podatkov na zemljevidu</a:t>
+            </a:r>
+          </a:p>
+          <a:p>
+            <a:r>
+              <a:rPr lang="sl-SI" dirty="0"/>
+              <a:t>Podatke pridobivamo iz mobilne aplikacije</a:t>
+            </a:r>
+          </a:p>
+        </p:txBody>
+      </p:sp>
+    </p:spTree>
+    <p:extLst>
+      <p:ext uri="{BB962C8B-B14F-4D97-AF65-F5344CB8AC3E}">
+        <p14:creationId xmlns:p14="http://schemas.microsoft.com/office/powerpoint/2010/main" val="1853286500"/>
       </p:ext>
     </p:extLst>
   </p:cSld>
